--- a/看谁排得快.pptx
+++ b/看谁排得快.pptx
@@ -363,7 +363,7 @@
             <a:fld id="{5586B75A-687E-405C-8A0B-8D00578BA2C3}" type="datetimeFigureOut">
               <a:rPr lang="en-US" dirty="0"/>
               <a:pPr/>
-              <a:t>3/28/2019</a:t>
+              <a:t>6/18/2020</a:t>
             </a:fld>
             <a:endParaRPr lang="en-US" dirty="0"/>
           </a:p>
@@ -530,7 +530,7 @@
             <a:fld id="{5586B75A-687E-405C-8A0B-8D00578BA2C3}" type="datetimeFigureOut">
               <a:rPr lang="en-US" dirty="0"/>
               <a:pPr/>
-              <a:t>3/28/2019</a:t>
+              <a:t>6/18/2020</a:t>
             </a:fld>
             <a:endParaRPr lang="en-US" dirty="0"/>
           </a:p>
@@ -707,7 +707,7 @@
             <a:fld id="{5586B75A-687E-405C-8A0B-8D00578BA2C3}" type="datetimeFigureOut">
               <a:rPr lang="en-US" dirty="0"/>
               <a:pPr/>
-              <a:t>3/28/2019</a:t>
+              <a:t>6/18/2020</a:t>
             </a:fld>
             <a:endParaRPr lang="en-US" dirty="0"/>
           </a:p>
@@ -874,7 +874,7 @@
             <a:fld id="{5586B75A-687E-405C-8A0B-8D00578BA2C3}" type="datetimeFigureOut">
               <a:rPr lang="en-US" dirty="0"/>
               <a:pPr/>
-              <a:t>3/28/2019</a:t>
+              <a:t>6/18/2020</a:t>
             </a:fld>
             <a:endParaRPr lang="en-US" dirty="0"/>
           </a:p>
@@ -1129,7 +1129,7 @@
             <a:fld id="{5586B75A-687E-405C-8A0B-8D00578BA2C3}" type="datetimeFigureOut">
               <a:rPr lang="en-US" dirty="0"/>
               <a:pPr/>
-              <a:t>3/28/2019</a:t>
+              <a:t>6/18/2020</a:t>
             </a:fld>
             <a:endParaRPr lang="en-US" dirty="0"/>
           </a:p>
@@ -1414,7 +1414,7 @@
             <a:fld id="{5586B75A-687E-405C-8A0B-8D00578BA2C3}" type="datetimeFigureOut">
               <a:rPr lang="en-US" dirty="0"/>
               <a:pPr/>
-              <a:t>3/28/2019</a:t>
+              <a:t>6/18/2020</a:t>
             </a:fld>
             <a:endParaRPr lang="en-US" dirty="0"/>
           </a:p>
@@ -1853,7 +1853,7 @@
             <a:fld id="{5586B75A-687E-405C-8A0B-8D00578BA2C3}" type="datetimeFigureOut">
               <a:rPr lang="en-US" dirty="0"/>
               <a:pPr/>
-              <a:t>3/28/2019</a:t>
+              <a:t>6/18/2020</a:t>
             </a:fld>
             <a:endParaRPr lang="en-US" dirty="0"/>
           </a:p>
@@ -1968,7 +1968,7 @@
             <a:fld id="{5586B75A-687E-405C-8A0B-8D00578BA2C3}" type="datetimeFigureOut">
               <a:rPr lang="en-US" dirty="0"/>
               <a:pPr/>
-              <a:t>3/28/2019</a:t>
+              <a:t>6/18/2020</a:t>
             </a:fld>
             <a:endParaRPr lang="en-US" dirty="0"/>
           </a:p>
@@ -2060,7 +2060,7 @@
             <a:fld id="{5586B75A-687E-405C-8A0B-8D00578BA2C3}" type="datetimeFigureOut">
               <a:rPr lang="en-US" dirty="0"/>
               <a:pPr/>
-              <a:t>3/28/2019</a:t>
+              <a:t>6/18/2020</a:t>
             </a:fld>
             <a:endParaRPr lang="en-US" dirty="0"/>
           </a:p>
@@ -2345,7 +2345,7 @@
             <a:fld id="{5586B75A-687E-405C-8A0B-8D00578BA2C3}" type="datetimeFigureOut">
               <a:rPr lang="en-US" dirty="0"/>
               <a:pPr/>
-              <a:t>3/28/2019</a:t>
+              <a:t>6/18/2020</a:t>
             </a:fld>
             <a:endParaRPr lang="en-US" dirty="0"/>
           </a:p>
@@ -2615,7 +2615,7 @@
             <a:fld id="{5586B75A-687E-405C-8A0B-8D00578BA2C3}" type="datetimeFigureOut">
               <a:rPr lang="en-US" dirty="0"/>
               <a:pPr/>
-              <a:t>3/28/2019</a:t>
+              <a:t>6/18/2020</a:t>
             </a:fld>
             <a:endParaRPr lang="en-US" dirty="0"/>
           </a:p>
@@ -2909,7 +2909,7 @@
             <a:fld id="{5586B75A-687E-405C-8A0B-8D00578BA2C3}" type="datetimeFigureOut">
               <a:rPr lang="en-US" dirty="0"/>
               <a:pPr/>
-              <a:t>3/28/2019</a:t>
+              <a:t>6/18/2020</a:t>
             </a:fld>
             <a:endParaRPr lang="en-US" dirty="0"/>
           </a:p>
@@ -4102,9 +4102,11 @@
           <a:lstStyle/>
           <a:p>
             <a:r>
-              <a:rPr lang="zh-CN" altLang="en-US" dirty="0"/>
-              <a:t>张承扬</a:t>
-            </a:r>
+              <a:rPr lang="en-US" altLang="zh-CN" dirty="0"/>
+              <a:t>XXX</a:t>
+            </a:r>
+          </a:p>
+          <a:p>
             <a:endParaRPr lang="en-US" altLang="zh-CN" dirty="0"/>
           </a:p>
           <a:p>
@@ -4114,29 +4116,26 @@
             <a:endParaRPr lang="en-US" altLang="zh-CN" dirty="0"/>
           </a:p>
           <a:p>
+            <a:r>
+              <a:rPr lang="en-US" altLang="zh-CN" dirty="0"/>
+              <a:t>XXX</a:t>
+            </a:r>
+          </a:p>
+          <a:p>
             <a:endParaRPr lang="en-US" altLang="zh-CN" dirty="0"/>
           </a:p>
           <a:p>
-            <a:r>
-              <a:rPr lang="zh-CN" altLang="en-US" dirty="0"/>
-              <a:t>杨楚瀛</a:t>
-            </a:r>
             <a:endParaRPr lang="en-US" altLang="zh-CN" dirty="0"/>
           </a:p>
           <a:p>
             <a:endParaRPr lang="en-US" altLang="zh-CN" dirty="0"/>
           </a:p>
           <a:p>
-            <a:endParaRPr lang="en-US" altLang="zh-CN" dirty="0"/>
-          </a:p>
-          <a:p>
-            <a:endParaRPr lang="en-US" altLang="zh-CN" dirty="0"/>
-          </a:p>
-          <a:p>
-            <a:r>
-              <a:rPr lang="zh-CN" altLang="en-US" dirty="0"/>
-              <a:t>张琪</a:t>
-            </a:r>
+            <a:r>
+              <a:rPr lang="en-US" altLang="zh-CN"/>
+              <a:t>XX</a:t>
+            </a:r>
+            <a:endParaRPr lang="zh-CN" altLang="en-US" dirty="0"/>
           </a:p>
         </p:txBody>
       </p:sp>
